--- a/figures/gazemodel.pptx
+++ b/figures/gazemodel.pptx
@@ -104,6 +104,11 @@
       </a:defRPr>
     </a:lvl9pPr>
   </p:defaultTextStyle>
+  <p:extLst>
+    <p:ext uri="{EFAFB233-063F-42B5-8137-9DF3F51BA10A}">
+      <p15:sldGuideLst xmlns:p15="http://schemas.microsoft.com/office/powerpoint/2012/main"/>
+    </p:ext>
+  </p:extLst>
 </p:presentation>
 </file>
 
@@ -238,7 +243,7 @@
           <a:p>
             <a:fld id="{047115EA-76EC-B54F-99FF-84FD06ECB6A7}" type="datetimeFigureOut">
               <a:rPr lang="en-DE" smtClean="0"/>
-              <a:t>08.06.23</a:t>
+              <a:t>26.06.23</a:t>
             </a:fld>
             <a:endParaRPr lang="en-DE"/>
           </a:p>
@@ -408,7 +413,7 @@
           <a:p>
             <a:fld id="{047115EA-76EC-B54F-99FF-84FD06ECB6A7}" type="datetimeFigureOut">
               <a:rPr lang="en-DE" smtClean="0"/>
-              <a:t>08.06.23</a:t>
+              <a:t>26.06.23</a:t>
             </a:fld>
             <a:endParaRPr lang="en-DE"/>
           </a:p>
@@ -588,7 +593,7 @@
           <a:p>
             <a:fld id="{047115EA-76EC-B54F-99FF-84FD06ECB6A7}" type="datetimeFigureOut">
               <a:rPr lang="en-DE" smtClean="0"/>
-              <a:t>08.06.23</a:t>
+              <a:t>26.06.23</a:t>
             </a:fld>
             <a:endParaRPr lang="en-DE"/>
           </a:p>
@@ -758,7 +763,7 @@
           <a:p>
             <a:fld id="{047115EA-76EC-B54F-99FF-84FD06ECB6A7}" type="datetimeFigureOut">
               <a:rPr lang="en-DE" smtClean="0"/>
-              <a:t>08.06.23</a:t>
+              <a:t>26.06.23</a:t>
             </a:fld>
             <a:endParaRPr lang="en-DE"/>
           </a:p>
@@ -1004,7 +1009,7 @@
           <a:p>
             <a:fld id="{047115EA-76EC-B54F-99FF-84FD06ECB6A7}" type="datetimeFigureOut">
               <a:rPr lang="en-DE" smtClean="0"/>
-              <a:t>08.06.23</a:t>
+              <a:t>26.06.23</a:t>
             </a:fld>
             <a:endParaRPr lang="en-DE"/>
           </a:p>
@@ -1236,7 +1241,7 @@
           <a:p>
             <a:fld id="{047115EA-76EC-B54F-99FF-84FD06ECB6A7}" type="datetimeFigureOut">
               <a:rPr lang="en-DE" smtClean="0"/>
-              <a:t>08.06.23</a:t>
+              <a:t>26.06.23</a:t>
             </a:fld>
             <a:endParaRPr lang="en-DE"/>
           </a:p>
@@ -1603,7 +1608,7 @@
           <a:p>
             <a:fld id="{047115EA-76EC-B54F-99FF-84FD06ECB6A7}" type="datetimeFigureOut">
               <a:rPr lang="en-DE" smtClean="0"/>
-              <a:t>08.06.23</a:t>
+              <a:t>26.06.23</a:t>
             </a:fld>
             <a:endParaRPr lang="en-DE"/>
           </a:p>
@@ -1721,7 +1726,7 @@
           <a:p>
             <a:fld id="{047115EA-76EC-B54F-99FF-84FD06ECB6A7}" type="datetimeFigureOut">
               <a:rPr lang="en-DE" smtClean="0"/>
-              <a:t>08.06.23</a:t>
+              <a:t>26.06.23</a:t>
             </a:fld>
             <a:endParaRPr lang="en-DE"/>
           </a:p>
@@ -1816,7 +1821,7 @@
           <a:p>
             <a:fld id="{047115EA-76EC-B54F-99FF-84FD06ECB6A7}" type="datetimeFigureOut">
               <a:rPr lang="en-DE" smtClean="0"/>
-              <a:t>08.06.23</a:t>
+              <a:t>26.06.23</a:t>
             </a:fld>
             <a:endParaRPr lang="en-DE"/>
           </a:p>
@@ -2093,7 +2098,7 @@
           <a:p>
             <a:fld id="{047115EA-76EC-B54F-99FF-84FD06ECB6A7}" type="datetimeFigureOut">
               <a:rPr lang="en-DE" smtClean="0"/>
-              <a:t>08.06.23</a:t>
+              <a:t>26.06.23</a:t>
             </a:fld>
             <a:endParaRPr lang="en-DE"/>
           </a:p>
@@ -2350,7 +2355,7 @@
           <a:p>
             <a:fld id="{047115EA-76EC-B54F-99FF-84FD06ECB6A7}" type="datetimeFigureOut">
               <a:rPr lang="en-DE" smtClean="0"/>
-              <a:t>08.06.23</a:t>
+              <a:t>26.06.23</a:t>
             </a:fld>
             <a:endParaRPr lang="en-DE"/>
           </a:p>
@@ -2563,7 +2568,7 @@
           <a:p>
             <a:fld id="{047115EA-76EC-B54F-99FF-84FD06ECB6A7}" type="datetimeFigureOut">
               <a:rPr lang="en-DE" smtClean="0"/>
-              <a:t>08.06.23</a:t>
+              <a:t>26.06.23</a:t>
             </a:fld>
             <a:endParaRPr lang="en-DE"/>
           </a:p>
@@ -2990,8 +2995,8 @@
         </p:blipFill>
         <p:spPr>
           <a:xfrm>
-            <a:off x="319805" y="242715"/>
-            <a:ext cx="3431632" cy="1928781"/>
+            <a:off x="3794073" y="308674"/>
+            <a:ext cx="2491473" cy="1400356"/>
           </a:xfrm>
           <a:prstGeom prst="rect">
             <a:avLst/>
@@ -3028,8 +3033,8 @@
         </p:blipFill>
         <p:spPr>
           <a:xfrm>
-            <a:off x="319806" y="2295547"/>
-            <a:ext cx="3431631" cy="1928780"/>
+            <a:off x="3794071" y="1828800"/>
+            <a:ext cx="2491474" cy="1400356"/>
           </a:xfrm>
           <a:prstGeom prst="rect">
             <a:avLst/>
@@ -3066,8 +3071,8 @@
         </p:blipFill>
         <p:spPr>
           <a:xfrm>
-            <a:off x="4236670" y="161414"/>
-            <a:ext cx="6100257" cy="4062913"/>
+            <a:off x="6414808" y="308674"/>
+            <a:ext cx="4384955" cy="2920482"/>
           </a:xfrm>
           <a:prstGeom prst="rect">
             <a:avLst/>
@@ -3126,7 +3131,7 @@
         </p:nvSpPr>
         <p:spPr>
           <a:xfrm>
-            <a:off x="3955592" y="0"/>
+            <a:off x="3477826" y="0"/>
             <a:ext cx="570030" cy="308674"/>
           </a:xfrm>
           <a:prstGeom prst="rect">
@@ -3150,6 +3155,41 @@
           </a:p>
         </p:txBody>
       </p:sp>
+      <p:pic>
+        <p:nvPicPr>
+          <p:cNvPr id="3" name="Picture 2">
+            <a:extLst>
+              <a:ext uri="{FF2B5EF4-FFF2-40B4-BE49-F238E27FC236}">
+                <a16:creationId xmlns:a16="http://schemas.microsoft.com/office/drawing/2014/main" id="{8445DB67-66AE-7DC0-29D4-44561EED4ECC}"/>
+              </a:ext>
+            </a:extLst>
+          </p:cNvPr>
+          <p:cNvPicPr>
+            <a:picLocks noChangeAspect="1"/>
+          </p:cNvPicPr>
+          <p:nvPr/>
+        </p:nvPicPr>
+        <p:blipFill>
+          <a:blip r:embed="rId5"/>
+          <a:stretch>
+            <a:fillRect/>
+          </a:stretch>
+        </p:blipFill>
+        <p:spPr>
+          <a:xfrm>
+            <a:off x="319797" y="308674"/>
+            <a:ext cx="2622781" cy="2920482"/>
+          </a:xfrm>
+          <a:prstGeom prst="rect">
+            <a:avLst/>
+          </a:prstGeom>
+          <a:ln w="12700">
+            <a:solidFill>
+              <a:schemeClr val="tx1"/>
+            </a:solidFill>
+          </a:ln>
+        </p:spPr>
+      </p:pic>
     </p:spTree>
     <p:extLst>
       <p:ext uri="{BB962C8B-B14F-4D97-AF65-F5344CB8AC3E}">
